--- a/tty杂项/uart/uart3.pptx
+++ b/tty杂项/uart/uart3.pptx
@@ -10,11 +10,15 @@
   <p:sldIdLst>
     <p:sldId id="267" r:id="rId3"/>
     <p:sldId id="268" r:id="rId4"/>
+    <p:sldId id="270" r:id="rId6"/>
+    <p:sldId id="272" r:id="rId7"/>
+    <p:sldId id="269" r:id="rId8"/>
+    <p:sldId id="271" r:id="rId9"/>
   </p:sldIdLst>
   <p:sldSz cx="12192000" cy="6858000"/>
   <p:notesSz cx="6858000" cy="9144000"/>
   <p:custDataLst>
-    <p:tags r:id="rId9"/>
+    <p:tags r:id="rId13"/>
   </p:custDataLst>
   <p:defaultTextStyle>
     <a:defPPr>
@@ -462,6 +466,50 @@
 </file>
 
 <file path=ppt/notesSlides/notesSlide1.xml><?xml version="1.0" encoding="utf-8"?>
+<p:notes xmlns:a="http://schemas.openxmlformats.org/drawingml/2006/main" xmlns:r="http://schemas.openxmlformats.org/officeDocument/2006/relationships" xmlns:p="http://schemas.openxmlformats.org/presentationml/2006/main">
+  <p:cSld>
+    <p:spTree>
+      <p:nvGrpSpPr>
+        <p:cNvPr id="1" name=""/>
+        <p:cNvGrpSpPr/>
+        <p:nvPr/>
+      </p:nvGrpSpPr>
+      <p:grpSpPr/>
+      <p:sp>
+        <p:nvSpPr>
+          <p:cNvPr id="2" name="幻灯片图像占位符 1"/>
+          <p:cNvSpPr/>
+          <p:nvPr>
+            <p:ph type="sldImg" idx="2"/>
+          </p:nvPr>
+        </p:nvSpPr>
+        <p:spPr/>
+      </p:sp>
+      <p:sp>
+        <p:nvSpPr>
+          <p:cNvPr id="3" name="文本占位符 2"/>
+          <p:cNvSpPr/>
+          <p:nvPr>
+            <p:ph type="body" idx="3"/>
+          </p:nvPr>
+        </p:nvSpPr>
+        <p:spPr/>
+        <p:txBody>
+          <a:bodyPr/>
+          <a:p>
+            <a:endParaRPr lang="zh-CN" altLang="en-US"/>
+          </a:p>
+        </p:txBody>
+      </p:sp>
+    </p:spTree>
+  </p:cSld>
+  <p:clrMapOvr>
+    <a:masterClrMapping/>
+  </p:clrMapOvr>
+</p:notes>
+</file>
+
+<file path=ppt/notesSlides/notesSlide2.xml><?xml version="1.0" encoding="utf-8"?>
 <p:notes xmlns:a="http://schemas.openxmlformats.org/drawingml/2006/main" xmlns:r="http://schemas.openxmlformats.org/officeDocument/2006/relationships" xmlns:p="http://schemas.openxmlformats.org/presentationml/2006/main">
   <p:cSld>
     <p:spTree>
@@ -3455,20 +3503,8 @@
             </a:r>
             <a:r>
               <a:rPr lang="en-US" altLang="zh-CN"/>
-              <a:t>.</a:t>
-            </a:r>
-            <a:endParaRPr lang="en-US" altLang="zh-CN"/>
-          </a:p>
-          <a:p>
-            <a:pPr indent="457200"/>
-            <a:r>
-              <a:rPr lang="en-US" altLang="zh-CN"/>
-              <a:t>The buad rates are recorded in an array - buad_table</a:t>
-            </a:r>
-            <a:endParaRPr lang="zh-CN" altLang="en-US"/>
-          </a:p>
-          <a:p>
-            <a:pPr indent="0"/>
+              <a:t>. The buad rates are recorded in an array - buad_table</a:t>
+            </a:r>
             <a:endParaRPr lang="zh-CN" altLang="en-US"/>
           </a:p>
           <a:p>
@@ -3529,7 +3565,7 @@
         </p:blipFill>
         <p:spPr>
           <a:xfrm>
-            <a:off x="1092200" y="3764280"/>
+            <a:off x="1057910" y="3540760"/>
             <a:ext cx="5248275" cy="1933575"/>
           </a:xfrm>
           <a:prstGeom prst="rect">
@@ -3883,6 +3919,850 @@
 </p:sld>
 </file>
 
+<file path=ppt/slides/slide3.xml><?xml version="1.0" encoding="utf-8"?>
+<p:sld xmlns:a="http://schemas.openxmlformats.org/drawingml/2006/main" xmlns:r="http://schemas.openxmlformats.org/officeDocument/2006/relationships" xmlns:p="http://schemas.openxmlformats.org/presentationml/2006/main">
+  <p:cSld>
+    <p:spTree>
+      <p:nvGrpSpPr>
+        <p:cNvPr id="1" name=""/>
+        <p:cNvGrpSpPr/>
+        <p:nvPr/>
+      </p:nvGrpSpPr>
+      <p:grpSpPr/>
+      <p:sp>
+        <p:nvSpPr>
+          <p:cNvPr id="4" name="文本框 3"/>
+          <p:cNvSpPr txBox="1"/>
+          <p:nvPr/>
+        </p:nvSpPr>
+        <p:spPr>
+          <a:xfrm>
+            <a:off x="735965" y="469265"/>
+            <a:ext cx="6096000" cy="368300"/>
+          </a:xfrm>
+          <a:prstGeom prst="rect">
+            <a:avLst/>
+          </a:prstGeom>
+          <a:noFill/>
+        </p:spPr>
+        <p:txBody>
+          <a:bodyPr wrap="square" rtlCol="0" anchor="t">
+            <a:spAutoFit/>
+          </a:bodyPr>
+          <a:p>
+            <a:r>
+              <a:rPr lang="zh-CN" altLang="en-US"/>
+              <a:t>https://blog.csdn.net/qq_42992084/article/details/104761474</a:t>
+            </a:r>
+            <a:endParaRPr lang="zh-CN" altLang="en-US"/>
+          </a:p>
+        </p:txBody>
+      </p:sp>
+      <p:pic>
+        <p:nvPicPr>
+          <p:cNvPr id="5" name="图片 4"/>
+          <p:cNvPicPr>
+            <a:picLocks noChangeAspect="1"/>
+          </p:cNvPicPr>
+          <p:nvPr>
+            <p:custDataLst>
+              <p:tags r:id="rId1"/>
+            </p:custDataLst>
+          </p:nvPr>
+        </p:nvPicPr>
+        <p:blipFill>
+          <a:blip r:embed="rId2"/>
+          <a:stretch>
+            <a:fillRect/>
+          </a:stretch>
+        </p:blipFill>
+        <p:spPr>
+          <a:xfrm>
+            <a:off x="735965" y="1090295"/>
+            <a:ext cx="9372600" cy="4314825"/>
+          </a:xfrm>
+          <a:prstGeom prst="rect">
+            <a:avLst/>
+          </a:prstGeom>
+        </p:spPr>
+      </p:pic>
+    </p:spTree>
+  </p:cSld>
+  <p:clrMapOvr>
+    <a:masterClrMapping/>
+  </p:clrMapOvr>
+</p:sld>
+</file>
+
+<file path=ppt/slides/slide4.xml><?xml version="1.0" encoding="utf-8"?>
+<p:sld xmlns:a="http://schemas.openxmlformats.org/drawingml/2006/main" xmlns:r="http://schemas.openxmlformats.org/officeDocument/2006/relationships" xmlns:p="http://schemas.openxmlformats.org/presentationml/2006/main">
+  <p:cSld>
+    <p:spTree>
+      <p:nvGrpSpPr>
+        <p:cNvPr id="1" name=""/>
+        <p:cNvGrpSpPr/>
+        <p:nvPr/>
+      </p:nvGrpSpPr>
+      <p:grpSpPr/>
+      <p:sp>
+        <p:nvSpPr>
+          <p:cNvPr id="4" name="文本框 3"/>
+          <p:cNvSpPr txBox="1"/>
+          <p:nvPr/>
+        </p:nvSpPr>
+        <p:spPr>
+          <a:xfrm>
+            <a:off x="735965" y="469265"/>
+            <a:ext cx="6096000" cy="368300"/>
+          </a:xfrm>
+          <a:prstGeom prst="rect">
+            <a:avLst/>
+          </a:prstGeom>
+          <a:noFill/>
+        </p:spPr>
+        <p:txBody>
+          <a:bodyPr wrap="square" rtlCol="0" anchor="t">
+            <a:spAutoFit/>
+          </a:bodyPr>
+          <a:p>
+            <a:r>
+              <a:rPr lang="zh-CN" altLang="en-US"/>
+              <a:t>https://blog.csdn.net/qq_42992084/article/details/104761474</a:t>
+            </a:r>
+            <a:endParaRPr lang="zh-CN" altLang="en-US"/>
+          </a:p>
+        </p:txBody>
+      </p:sp>
+      <p:pic>
+        <p:nvPicPr>
+          <p:cNvPr id="2" name="图片 1"/>
+          <p:cNvPicPr>
+            <a:picLocks noChangeAspect="1"/>
+          </p:cNvPicPr>
+          <p:nvPr>
+            <p:custDataLst>
+              <p:tags r:id="rId1"/>
+            </p:custDataLst>
+          </p:nvPr>
+        </p:nvPicPr>
+        <p:blipFill>
+          <a:blip r:embed="rId2"/>
+          <a:stretch>
+            <a:fillRect/>
+          </a:stretch>
+        </p:blipFill>
+        <p:spPr>
+          <a:xfrm>
+            <a:off x="1404620" y="1219200"/>
+            <a:ext cx="9382125" cy="4419600"/>
+          </a:xfrm>
+          <a:prstGeom prst="rect">
+            <a:avLst/>
+          </a:prstGeom>
+        </p:spPr>
+      </p:pic>
+    </p:spTree>
+  </p:cSld>
+  <p:clrMapOvr>
+    <a:masterClrMapping/>
+  </p:clrMapOvr>
+</p:sld>
+</file>
+
+<file path=ppt/slides/slide5.xml><?xml version="1.0" encoding="utf-8"?>
+<p:sld xmlns:a="http://schemas.openxmlformats.org/drawingml/2006/main" xmlns:r="http://schemas.openxmlformats.org/officeDocument/2006/relationships" xmlns:p="http://schemas.openxmlformats.org/presentationml/2006/main">
+  <p:cSld>
+    <p:spTree>
+      <p:nvGrpSpPr>
+        <p:cNvPr id="1" name=""/>
+        <p:cNvGrpSpPr/>
+        <p:nvPr/>
+      </p:nvGrpSpPr>
+      <p:grpSpPr/>
+      <p:sp>
+        <p:nvSpPr>
+          <p:cNvPr id="2" name="文本框 1"/>
+          <p:cNvSpPr txBox="1"/>
+          <p:nvPr/>
+        </p:nvSpPr>
+        <p:spPr>
+          <a:xfrm>
+            <a:off x="560070" y="313690"/>
+            <a:ext cx="11297920" cy="998855"/>
+          </a:xfrm>
+          <a:prstGeom prst="rect">
+            <a:avLst/>
+          </a:prstGeom>
+          <a:noFill/>
+        </p:spPr>
+        <p:txBody>
+          <a:bodyPr wrap="square" rtlCol="0" anchor="t">
+            <a:noAutofit/>
+          </a:bodyPr>
+          <a:p>
+            <a:pPr indent="0"/>
+            <a:r>
+              <a:rPr lang="en-US"/>
+              <a:t>SW flow control</a:t>
+            </a:r>
+            <a:endParaRPr lang="en-US"/>
+          </a:p>
+          <a:p>
+            <a:pPr indent="457200"/>
+            <a:r>
+              <a:rPr lang="en-US">
+                <a:sym typeface="+mn-ea"/>
+              </a:rPr>
+              <a:t>The flow control can also be controlled by software throught sending two ASCII characters.  </a:t>
+            </a:r>
+            <a:endParaRPr lang="zh-CN" altLang="en-US"/>
+          </a:p>
+        </p:txBody>
+      </p:sp>
+      <p:graphicFrame>
+        <p:nvGraphicFramePr>
+          <p:cNvPr id="3" name="表格 2"/>
+          <p:cNvGraphicFramePr/>
+          <p:nvPr>
+            <p:custDataLst>
+              <p:tags r:id="rId1"/>
+            </p:custDataLst>
+          </p:nvPr>
+        </p:nvGraphicFramePr>
+        <p:xfrm>
+          <a:off x="627380" y="1007745"/>
+          <a:ext cx="6398895" cy="1143000"/>
+        </p:xfrm>
+        <a:graphic>
+          <a:graphicData uri="http://schemas.openxmlformats.org/drawingml/2006/table">
+            <a:tbl>
+              <a:tblPr firstRow="1" bandRow="1">
+                <a:tableStyleId>{5C22544A-7EE6-4342-B048-85BDC9FD1C3A}</a:tableStyleId>
+              </a:tblPr>
+              <a:tblGrid>
+                <a:gridCol w="2132965"/>
+                <a:gridCol w="2295525"/>
+                <a:gridCol w="1970405"/>
+              </a:tblGrid>
+              <a:tr h="381000">
+                <a:tc>
+                  <a:txBody>
+                    <a:bodyPr/>
+                    <a:p>
+                      <a:pPr>
+                        <a:buNone/>
+                      </a:pPr>
+                      <a:r>
+                        <a:rPr lang="en-US" altLang="zh-CN"/>
+                        <a:t>Character</a:t>
+                      </a:r>
+                      <a:endParaRPr lang="en-US" altLang="zh-CN"/>
+                    </a:p>
+                  </a:txBody>
+                  <a:tcPr/>
+                </a:tc>
+                <a:tc>
+                  <a:txBody>
+                    <a:bodyPr/>
+                    <a:p>
+                      <a:pPr>
+                        <a:buNone/>
+                      </a:pPr>
+                      <a:r>
+                        <a:rPr lang="en-US" altLang="zh-CN"/>
+                        <a:t>Description</a:t>
+                      </a:r>
+                      <a:endParaRPr lang="en-US" altLang="zh-CN"/>
+                    </a:p>
+                  </a:txBody>
+                  <a:tcPr/>
+                </a:tc>
+                <a:tc>
+                  <a:txBody>
+                    <a:bodyPr/>
+                    <a:p>
+                      <a:pPr>
+                        <a:buNone/>
+                      </a:pPr>
+                      <a:r>
+                        <a:rPr lang="en-US" altLang="zh-CN"/>
+                        <a:t>ASCII Hex</a:t>
+                      </a:r>
+                      <a:endParaRPr lang="en-US" altLang="zh-CN"/>
+                    </a:p>
+                  </a:txBody>
+                  <a:tcPr/>
+                </a:tc>
+              </a:tr>
+              <a:tr h="640080">
+                <a:tc>
+                  <a:txBody>
+                    <a:bodyPr/>
+                    <a:p>
+                      <a:pPr>
+                        <a:buNone/>
+                      </a:pPr>
+                      <a:r>
+                        <a:rPr lang="en-US" altLang="zh-CN"/>
+                        <a:t>XOFF</a:t>
+                      </a:r>
+                      <a:endParaRPr lang="en-US" altLang="zh-CN"/>
+                    </a:p>
+                  </a:txBody>
+                  <a:tcPr/>
+                </a:tc>
+                <a:tc>
+                  <a:txBody>
+                    <a:bodyPr/>
+                    <a:p>
+                      <a:pPr>
+                        <a:buNone/>
+                      </a:pPr>
+                      <a:r>
+                        <a:rPr lang="en-US" altLang="zh-CN"/>
+                        <a:t>Suspend transmitting, sending by slave</a:t>
+                      </a:r>
+                      <a:endParaRPr lang="en-US" altLang="zh-CN"/>
+                    </a:p>
+                  </a:txBody>
+                  <a:tcPr/>
+                </a:tc>
+                <a:tc>
+                  <a:txBody>
+                    <a:bodyPr/>
+                    <a:p>
+                      <a:pPr>
+                        <a:buNone/>
+                      </a:pPr>
+                      <a:r>
+                        <a:rPr lang="en-US" altLang="zh-CN"/>
+                        <a:t>0x16</a:t>
+                      </a:r>
+                      <a:endParaRPr lang="en-US" altLang="zh-CN"/>
+                    </a:p>
+                  </a:txBody>
+                  <a:tcPr/>
+                </a:tc>
+              </a:tr>
+              <a:tr h="381000">
+                <a:tc>
+                  <a:txBody>
+                    <a:bodyPr/>
+                    <a:p>
+                      <a:pPr>
+                        <a:buNone/>
+                      </a:pPr>
+                      <a:r>
+                        <a:rPr lang="en-US" altLang="zh-CN"/>
+                        <a:t>XON</a:t>
+                      </a:r>
+                      <a:endParaRPr lang="en-US" altLang="zh-CN"/>
+                    </a:p>
+                  </a:txBody>
+                  <a:tcPr/>
+                </a:tc>
+                <a:tc>
+                  <a:txBody>
+                    <a:bodyPr/>
+                    <a:p>
+                      <a:pPr>
+                        <a:buNone/>
+                      </a:pPr>
+                      <a:r>
+                        <a:rPr lang="en-US" altLang="zh-CN"/>
+                        <a:t>Resume </a:t>
+                      </a:r>
+                      <a:r>
+                        <a:rPr lang="en-US" altLang="zh-CN" sz="1800">
+                          <a:sym typeface="+mn-ea"/>
+                        </a:rPr>
+                        <a:t>transmitting, sending by slave</a:t>
+                      </a:r>
+                      <a:endParaRPr lang="en-US" altLang="zh-CN"/>
+                    </a:p>
+                  </a:txBody>
+                  <a:tcPr/>
+                </a:tc>
+                <a:tc>
+                  <a:txBody>
+                    <a:bodyPr/>
+                    <a:p>
+                      <a:pPr>
+                        <a:buNone/>
+                      </a:pPr>
+                      <a:r>
+                        <a:rPr lang="en-US" altLang="zh-CN"/>
+                        <a:t>0x11</a:t>
+                      </a:r>
+                      <a:endParaRPr lang="en-US" altLang="zh-CN"/>
+                    </a:p>
+                  </a:txBody>
+                  <a:tcPr/>
+                </a:tc>
+              </a:tr>
+            </a:tbl>
+          </a:graphicData>
+        </a:graphic>
+      </p:graphicFrame>
+      <p:pic>
+        <p:nvPicPr>
+          <p:cNvPr id="5" name="图片 4"/>
+          <p:cNvPicPr>
+            <a:picLocks noChangeAspect="1"/>
+          </p:cNvPicPr>
+          <p:nvPr>
+            <p:custDataLst>
+              <p:tags r:id="rId2"/>
+            </p:custDataLst>
+          </p:nvPr>
+        </p:nvPicPr>
+        <p:blipFill>
+          <a:blip r:embed="rId3"/>
+          <a:stretch>
+            <a:fillRect/>
+          </a:stretch>
+        </p:blipFill>
+        <p:spPr>
+          <a:xfrm>
+            <a:off x="5763260" y="3258185"/>
+            <a:ext cx="4762500" cy="1476375"/>
+          </a:xfrm>
+          <a:prstGeom prst="rect">
+            <a:avLst/>
+          </a:prstGeom>
+        </p:spPr>
+      </p:pic>
+      <p:pic>
+        <p:nvPicPr>
+          <p:cNvPr id="6" name="图片 5"/>
+          <p:cNvPicPr>
+            <a:picLocks noChangeAspect="1"/>
+          </p:cNvPicPr>
+          <p:nvPr>
+            <p:custDataLst>
+              <p:tags r:id="rId4"/>
+            </p:custDataLst>
+          </p:nvPr>
+        </p:nvPicPr>
+        <p:blipFill>
+          <a:blip r:embed="rId3"/>
+          <a:stretch>
+            <a:fillRect/>
+          </a:stretch>
+        </p:blipFill>
+        <p:spPr>
+          <a:xfrm>
+            <a:off x="627380" y="3442335"/>
+            <a:ext cx="4762500" cy="1476375"/>
+          </a:xfrm>
+          <a:prstGeom prst="rect">
+            <a:avLst/>
+          </a:prstGeom>
+        </p:spPr>
+      </p:pic>
+      <p:sp>
+        <p:nvSpPr>
+          <p:cNvPr id="7" name="文本框 6"/>
+          <p:cNvSpPr txBox="1"/>
+          <p:nvPr/>
+        </p:nvSpPr>
+        <p:spPr>
+          <a:xfrm>
+            <a:off x="560070" y="2797175"/>
+            <a:ext cx="10480040" cy="645160"/>
+          </a:xfrm>
+          <a:prstGeom prst="rect">
+            <a:avLst/>
+          </a:prstGeom>
+          <a:noFill/>
+        </p:spPr>
+        <p:txBody>
+          <a:bodyPr wrap="square" rtlCol="0" anchor="t">
+            <a:spAutoFit/>
+          </a:bodyPr>
+          <a:p>
+            <a:pPr indent="457200"/>
+            <a:r>
+              <a:rPr lang="en-US">
+                <a:sym typeface="+mn-ea"/>
+              </a:rPr>
+              <a:t>In this case,  the software of both master and slave devices should support this control situation, and only RX and TX pins are needed in the communication. </a:t>
+            </a:r>
+            <a:endParaRPr lang="en-US" altLang="en-US">
+              <a:sym typeface="+mn-ea"/>
+            </a:endParaRPr>
+          </a:p>
+        </p:txBody>
+      </p:sp>
+      <p:sp>
+        <p:nvSpPr>
+          <p:cNvPr id="8" name="文本框 7"/>
+          <p:cNvSpPr txBox="1"/>
+          <p:nvPr/>
+        </p:nvSpPr>
+        <p:spPr>
+          <a:xfrm>
+            <a:off x="627380" y="5113020"/>
+            <a:ext cx="10412095" cy="1541145"/>
+          </a:xfrm>
+          <a:prstGeom prst="rect">
+            <a:avLst/>
+          </a:prstGeom>
+          <a:noFill/>
+        </p:spPr>
+        <p:txBody>
+          <a:bodyPr wrap="square" rtlCol="0" anchor="t">
+            <a:noAutofit/>
+          </a:bodyPr>
+          <a:p>
+            <a:r>
+              <a:rPr lang="en-US" altLang="zh-CN"/>
+              <a:t>The </a:t>
+            </a:r>
+            <a:r>
+              <a:rPr lang="zh-CN" altLang="en-US"/>
+              <a:t>limitation</a:t>
+            </a:r>
+            <a:r>
+              <a:rPr lang="en-US" altLang="zh-CN"/>
+              <a:t> of SW flow control</a:t>
+            </a:r>
+            <a:endParaRPr lang="en-US" altLang="zh-CN"/>
+          </a:p>
+          <a:p>
+            <a:pPr indent="457200"/>
+            <a:r>
+              <a:rPr lang="en-US" altLang="zh-CN"/>
+              <a:t>The ASCII </a:t>
+            </a:r>
+            <a:r>
+              <a:rPr lang="en-US" altLang="zh-CN">
+                <a:sym typeface="+mn-ea"/>
+              </a:rPr>
+              <a:t>0x16 and 0x11 should not send in a normal transmission.</a:t>
+            </a:r>
+            <a:endParaRPr lang="en-US" altLang="zh-CN">
+              <a:sym typeface="+mn-ea"/>
+            </a:endParaRPr>
+          </a:p>
+          <a:p>
+            <a:pPr indent="457200"/>
+            <a:r>
+              <a:rPr lang="en-US" altLang="zh-CN"/>
+              <a:t>Before the master deal with XOFF/XON, the character should wait in line until the previous characters are all read by software, .... </a:t>
+            </a:r>
+            <a:endParaRPr lang="en-US" altLang="zh-CN"/>
+          </a:p>
+        </p:txBody>
+      </p:sp>
+    </p:spTree>
+  </p:cSld>
+  <p:clrMapOvr>
+    <a:masterClrMapping/>
+  </p:clrMapOvr>
+</p:sld>
+</file>
+
+<file path=ppt/slides/slide6.xml><?xml version="1.0" encoding="utf-8"?>
+<p:sld xmlns:a="http://schemas.openxmlformats.org/drawingml/2006/main" xmlns:r="http://schemas.openxmlformats.org/officeDocument/2006/relationships" xmlns:p="http://schemas.openxmlformats.org/presentationml/2006/main">
+  <p:cSld>
+    <p:spTree>
+      <p:nvGrpSpPr>
+        <p:cNvPr id="1" name=""/>
+        <p:cNvGrpSpPr/>
+        <p:nvPr/>
+      </p:nvGrpSpPr>
+      <p:grpSpPr/>
+      <p:sp>
+        <p:nvSpPr>
+          <p:cNvPr id="4" name="文本框 3"/>
+          <p:cNvSpPr txBox="1"/>
+          <p:nvPr/>
+        </p:nvSpPr>
+        <p:spPr>
+          <a:xfrm>
+            <a:off x="735965" y="469265"/>
+            <a:ext cx="6096000" cy="368300"/>
+          </a:xfrm>
+          <a:prstGeom prst="rect">
+            <a:avLst/>
+          </a:prstGeom>
+          <a:noFill/>
+        </p:spPr>
+        <p:txBody>
+          <a:bodyPr wrap="square" rtlCol="0" anchor="t">
+            <a:spAutoFit/>
+          </a:bodyPr>
+          <a:p>
+            <a:r>
+              <a:rPr lang="en-US" altLang="zh-CN"/>
+              <a:t>Diffrences between HW and SW flow control</a:t>
+            </a:r>
+            <a:endParaRPr lang="en-US" altLang="zh-CN"/>
+          </a:p>
+        </p:txBody>
+      </p:sp>
+      <p:graphicFrame>
+        <p:nvGraphicFramePr>
+          <p:cNvPr id="2" name="表格 1"/>
+          <p:cNvGraphicFramePr/>
+          <p:nvPr>
+            <p:custDataLst>
+              <p:tags r:id="rId1"/>
+            </p:custDataLst>
+          </p:nvPr>
+        </p:nvGraphicFramePr>
+        <p:xfrm>
+          <a:off x="735965" y="1036955"/>
+          <a:ext cx="8531225" cy="1143000"/>
+        </p:xfrm>
+        <a:graphic>
+          <a:graphicData uri="http://schemas.openxmlformats.org/drawingml/2006/table">
+            <a:tbl>
+              <a:tblPr firstRow="1" bandRow="1">
+                <a:tableStyleId>{5C22544A-7EE6-4342-B048-85BDC9FD1C3A}</a:tableStyleId>
+              </a:tblPr>
+              <a:tblGrid>
+                <a:gridCol w="1858645"/>
+                <a:gridCol w="1553845"/>
+                <a:gridCol w="1706245"/>
+                <a:gridCol w="1706245"/>
+                <a:gridCol w="1706245"/>
+              </a:tblGrid>
+              <a:tr h="640080">
+                <a:tc>
+                  <a:txBody>
+                    <a:bodyPr/>
+                    <a:p>
+                      <a:pPr>
+                        <a:buNone/>
+                      </a:pPr>
+                      <a:r>
+                        <a:rPr lang="en-US" altLang="zh-CN"/>
+                        <a:t>Flow control type</a:t>
+                      </a:r>
+                      <a:endParaRPr lang="en-US" altLang="zh-CN"/>
+                    </a:p>
+                  </a:txBody>
+                  <a:tcPr/>
+                </a:tc>
+                <a:tc>
+                  <a:txBody>
+                    <a:bodyPr/>
+                    <a:p>
+                      <a:pPr>
+                        <a:buNone/>
+                      </a:pPr>
+                      <a:r>
+                        <a:rPr lang="en-US" altLang="zh-CN"/>
+                        <a:t>Need RTS/CTS</a:t>
+                      </a:r>
+                      <a:endParaRPr lang="en-US" altLang="zh-CN"/>
+                    </a:p>
+                  </a:txBody>
+                  <a:tcPr/>
+                </a:tc>
+                <a:tc>
+                  <a:txBody>
+                    <a:bodyPr/>
+                    <a:p>
+                      <a:pPr>
+                        <a:buNone/>
+                      </a:pPr>
+                      <a:r>
+                        <a:rPr lang="en-US" altLang="zh-CN"/>
+                        <a:t>Speed</a:t>
+                      </a:r>
+                      <a:endParaRPr lang="en-US" altLang="zh-CN"/>
+                    </a:p>
+                  </a:txBody>
+                  <a:tcPr/>
+                </a:tc>
+                <a:tc>
+                  <a:txBody>
+                    <a:bodyPr/>
+                    <a:p>
+                      <a:pPr>
+                        <a:buNone/>
+                      </a:pPr>
+                      <a:endParaRPr lang="zh-CN" altLang="en-US"/>
+                    </a:p>
+                  </a:txBody>
+                  <a:tcPr/>
+                </a:tc>
+                <a:tc>
+                  <a:txBody>
+                    <a:bodyPr/>
+                    <a:p>
+                      <a:pPr>
+                        <a:buNone/>
+                      </a:pPr>
+                      <a:endParaRPr lang="zh-CN" altLang="en-US"/>
+                    </a:p>
+                  </a:txBody>
+                  <a:tcPr/>
+                </a:tc>
+              </a:tr>
+              <a:tr h="381000">
+                <a:tc>
+                  <a:txBody>
+                    <a:bodyPr/>
+                    <a:p>
+                      <a:pPr>
+                        <a:buNone/>
+                      </a:pPr>
+                      <a:r>
+                        <a:rPr lang="en-US" altLang="zh-CN"/>
+                        <a:t>HW</a:t>
+                      </a:r>
+                      <a:endParaRPr lang="en-US" altLang="zh-CN"/>
+                    </a:p>
+                  </a:txBody>
+                  <a:tcPr/>
+                </a:tc>
+                <a:tc>
+                  <a:txBody>
+                    <a:bodyPr/>
+                    <a:p>
+                      <a:pPr>
+                        <a:buNone/>
+                      </a:pPr>
+                      <a:r>
+                        <a:rPr lang="en-US" altLang="zh-CN"/>
+                        <a:t>YES</a:t>
+                      </a:r>
+                      <a:endParaRPr lang="en-US" altLang="zh-CN"/>
+                    </a:p>
+                  </a:txBody>
+                  <a:tcPr/>
+                </a:tc>
+                <a:tc>
+                  <a:txBody>
+                    <a:bodyPr/>
+                    <a:p>
+                      <a:pPr>
+                        <a:buNone/>
+                      </a:pPr>
+                      <a:r>
+                        <a:rPr lang="en-US" altLang="zh-CN"/>
+                        <a:t>fast</a:t>
+                      </a:r>
+                      <a:endParaRPr lang="en-US" altLang="zh-CN"/>
+                    </a:p>
+                  </a:txBody>
+                  <a:tcPr/>
+                </a:tc>
+                <a:tc>
+                  <a:txBody>
+                    <a:bodyPr/>
+                    <a:p>
+                      <a:pPr>
+                        <a:buNone/>
+                      </a:pPr>
+                      <a:endParaRPr lang="zh-CN" altLang="en-US"/>
+                    </a:p>
+                  </a:txBody>
+                  <a:tcPr/>
+                </a:tc>
+                <a:tc>
+                  <a:txBody>
+                    <a:bodyPr/>
+                    <a:p>
+                      <a:pPr>
+                        <a:buNone/>
+                      </a:pPr>
+                      <a:endParaRPr lang="zh-CN" altLang="en-US"/>
+                    </a:p>
+                  </a:txBody>
+                  <a:tcPr/>
+                </a:tc>
+              </a:tr>
+              <a:tr h="381000">
+                <a:tc>
+                  <a:txBody>
+                    <a:bodyPr/>
+                    <a:p>
+                      <a:pPr>
+                        <a:buNone/>
+                      </a:pPr>
+                      <a:r>
+                        <a:rPr lang="en-US" altLang="zh-CN"/>
+                        <a:t>SW</a:t>
+                      </a:r>
+                      <a:endParaRPr lang="en-US" altLang="zh-CN"/>
+                    </a:p>
+                  </a:txBody>
+                  <a:tcPr/>
+                </a:tc>
+                <a:tc>
+                  <a:txBody>
+                    <a:bodyPr/>
+                    <a:p>
+                      <a:pPr>
+                        <a:buNone/>
+                      </a:pPr>
+                      <a:r>
+                        <a:rPr lang="en-US" altLang="zh-CN"/>
+                        <a:t>NO</a:t>
+                      </a:r>
+                      <a:endParaRPr lang="en-US" altLang="zh-CN"/>
+                    </a:p>
+                  </a:txBody>
+                  <a:tcPr/>
+                </a:tc>
+                <a:tc>
+                  <a:txBody>
+                    <a:bodyPr/>
+                    <a:p>
+                      <a:pPr>
+                        <a:buNone/>
+                      </a:pPr>
+                      <a:r>
+                        <a:rPr lang="en-US" altLang="zh-CN"/>
+                        <a:t>slow</a:t>
+                      </a:r>
+                      <a:endParaRPr lang="en-US" altLang="zh-CN"/>
+                    </a:p>
+                  </a:txBody>
+                  <a:tcPr/>
+                </a:tc>
+                <a:tc>
+                  <a:txBody>
+                    <a:bodyPr/>
+                    <a:p>
+                      <a:pPr>
+                        <a:buNone/>
+                      </a:pPr>
+                      <a:endParaRPr lang="zh-CN" altLang="en-US"/>
+                    </a:p>
+                  </a:txBody>
+                  <a:tcPr/>
+                </a:tc>
+                <a:tc>
+                  <a:txBody>
+                    <a:bodyPr/>
+                    <a:p>
+                      <a:pPr>
+                        <a:buNone/>
+                      </a:pPr>
+                      <a:endParaRPr lang="zh-CN" altLang="en-US"/>
+                    </a:p>
+                  </a:txBody>
+                  <a:tcPr/>
+                </a:tc>
+              </a:tr>
+            </a:tbl>
+          </a:graphicData>
+        </a:graphic>
+      </p:graphicFrame>
+    </p:spTree>
+  </p:cSld>
+  <p:clrMapOvr>
+    <a:masterClrMapping/>
+  </p:clrMapOvr>
+</p:sld>
+</file>
+
 <file path=ppt/tags/tag1.xml><?xml version="1.0" encoding="utf-8"?>
 <p:tagLst xmlns:p="http://schemas.openxmlformats.org/presentationml/2006/main">
   <p:tag name="KSO_WM_BEAUTIFY_FLAG" val=""/>
@@ -3890,6 +4770,43 @@
 </file>
 
 <file path=ppt/tags/tag2.xml><?xml version="1.0" encoding="utf-8"?>
+<p:tagLst xmlns:p="http://schemas.openxmlformats.org/presentationml/2006/main">
+  <p:tag name="KSO_WM_BEAUTIFY_FLAG" val=""/>
+</p:tagLst>
+</file>
+
+<file path=ppt/tags/tag3.xml><?xml version="1.0" encoding="utf-8"?>
+<p:tagLst xmlns:p="http://schemas.openxmlformats.org/presentationml/2006/main">
+  <p:tag name="KSO_WM_BEAUTIFY_FLAG" val=""/>
+</p:tagLst>
+</file>
+
+<file path=ppt/tags/tag4.xml><?xml version="1.0" encoding="utf-8"?>
+<p:tagLst xmlns:p="http://schemas.openxmlformats.org/presentationml/2006/main">
+  <p:tag name="KSO_WM_UNIT_TABLE_BEAUTIFY" val="smartTable{e98fe85c-f738-466a-9b6b-dbf9d2cfe2f4}"/>
+</p:tagLst>
+</file>
+
+<file path=ppt/tags/tag5.xml><?xml version="1.0" encoding="utf-8"?>
+<p:tagLst xmlns:p="http://schemas.openxmlformats.org/presentationml/2006/main">
+  <p:tag name="KSO_WM_BEAUTIFY_FLAG" val=""/>
+  <p:tag name="KSO_WM_UNIT_PLACING_PICTURE_USER_VIEWPORT" val="{&quot;height&quot;:2325,&quot;width&quot;:7500}"/>
+</p:tagLst>
+</file>
+
+<file path=ppt/tags/tag6.xml><?xml version="1.0" encoding="utf-8"?>
+<p:tagLst xmlns:p="http://schemas.openxmlformats.org/presentationml/2006/main">
+  <p:tag name="KSO_WM_BEAUTIFY_FLAG" val=""/>
+</p:tagLst>
+</file>
+
+<file path=ppt/tags/tag7.xml><?xml version="1.0" encoding="utf-8"?>
+<p:tagLst xmlns:p="http://schemas.openxmlformats.org/presentationml/2006/main">
+  <p:tag name="KSO_WM_UNIT_TABLE_BEAUTIFY" val="smartTable{ee79284f-ae46-4f78-b8ac-7d37583a5d80}"/>
+</p:tagLst>
+</file>
+
+<file path=ppt/tags/tag8.xml><?xml version="1.0" encoding="utf-8"?>
 <p:tagLst xmlns:p="http://schemas.openxmlformats.org/presentationml/2006/main">
   <p:tag name="COMMONDATA" val="eyJoZGlkIjoiNjQ4N2FlZDk0YmExYmEzZjEzNzJmZjEwOGQwN2JjMDcifQ=="/>
   <p:tag name="KSO_WPP_MARK_KEY" val="1511e5cb-16b8-4056-899f-8a0f563ac683"/>
